--- a/docs/TestingQunit.pptx
+++ b/docs/TestingQunit.pptx
@@ -16,9 +16,9 @@
     <p:sldId id="263" r:id="rId10"/>
     <p:sldId id="264" r:id="rId11"/>
     <p:sldId id="265" r:id="rId12"/>
-    <p:sldId id="266" r:id="rId13"/>
-    <p:sldId id="267" r:id="rId14"/>
-    <p:sldId id="268" r:id="rId15"/>
+    <p:sldId id="268" r:id="rId13"/>
+    <p:sldId id="266" r:id="rId14"/>
+    <p:sldId id="267" r:id="rId15"/>
     <p:sldId id="271" r:id="rId16"/>
     <p:sldId id="273" r:id="rId17"/>
     <p:sldId id="269" r:id="rId18"/>
@@ -331,7 +331,7 @@
             <a:fld id="{87DE6118-2437-4B30-8E3C-4D2BE6020583}" type="datetimeFigureOut">
               <a:rPr lang="en-US" smtClean="0"/>
               <a:pPr/>
-              <a:t>2/11/2019</a:t>
+              <a:t>2/12/2019</a:t>
             </a:fld>
             <a:endParaRPr lang="en-US" dirty="0"/>
           </a:p>
@@ -608,7 +608,7 @@
             <a:fld id="{87DE6118-2437-4B30-8E3C-4D2BE6020583}" type="datetimeFigureOut">
               <a:rPr lang="en-US" smtClean="0"/>
               <a:pPr/>
-              <a:t>2/11/2019</a:t>
+              <a:t>2/12/2019</a:t>
             </a:fld>
             <a:endParaRPr lang="en-US" dirty="0"/>
           </a:p>
@@ -804,7 +804,7 @@
             <a:fld id="{87DE6118-2437-4B30-8E3C-4D2BE6020583}" type="datetimeFigureOut">
               <a:rPr lang="en-US" smtClean="0"/>
               <a:pPr/>
-              <a:t>2/11/2019</a:t>
+              <a:t>2/12/2019</a:t>
             </a:fld>
             <a:endParaRPr lang="en-US" dirty="0"/>
           </a:p>
@@ -1079,7 +1079,7 @@
             <a:fld id="{87DE6118-2437-4B30-8E3C-4D2BE6020583}" type="datetimeFigureOut">
               <a:rPr lang="en-US" smtClean="0"/>
               <a:pPr/>
-              <a:t>2/11/2019</a:t>
+              <a:t>2/12/2019</a:t>
             </a:fld>
             <a:endParaRPr lang="en-US" dirty="0"/>
           </a:p>
@@ -1422,7 +1422,7 @@
             <a:fld id="{87DE6118-2437-4B30-8E3C-4D2BE6020583}" type="datetimeFigureOut">
               <a:rPr lang="en-US" smtClean="0"/>
               <a:pPr/>
-              <a:t>2/11/2019</a:t>
+              <a:t>2/12/2019</a:t>
             </a:fld>
             <a:endParaRPr lang="en-US" dirty="0"/>
           </a:p>
@@ -2047,7 +2047,7 @@
             <a:fld id="{87DE6118-2437-4B30-8E3C-4D2BE6020583}" type="datetimeFigureOut">
               <a:rPr lang="en-US" smtClean="0"/>
               <a:pPr/>
-              <a:t>2/11/2019</a:t>
+              <a:t>2/12/2019</a:t>
             </a:fld>
             <a:endParaRPr lang="en-US" dirty="0"/>
           </a:p>
@@ -2909,7 +2909,7 @@
             <a:fld id="{87DE6118-2437-4B30-8E3C-4D2BE6020583}" type="datetimeFigureOut">
               <a:rPr lang="en-US" smtClean="0"/>
               <a:pPr/>
-              <a:t>2/11/2019</a:t>
+              <a:t>2/12/2019</a:t>
             </a:fld>
             <a:endParaRPr lang="en-US" dirty="0"/>
           </a:p>
@@ -3080,7 +3080,7 @@
           <a:p>
             <a:fld id="{87DE6118-2437-4B30-8E3C-4D2BE6020583}" type="datetimeFigureOut">
               <a:rPr lang="en-US" smtClean="0"/>
-              <a:t>2/11/2019</a:t>
+              <a:t>2/12/2019</a:t>
             </a:fld>
             <a:endParaRPr lang="en-US" dirty="0"/>
           </a:p>
@@ -3260,7 +3260,7 @@
           <a:p>
             <a:fld id="{87DE6118-2437-4B30-8E3C-4D2BE6020583}" type="datetimeFigureOut">
               <a:rPr lang="en-US" smtClean="0"/>
-              <a:t>2/11/2019</a:t>
+              <a:t>2/12/2019</a:t>
             </a:fld>
             <a:endParaRPr lang="en-US" dirty="0"/>
           </a:p>
@@ -3430,7 +3430,7 @@
           <a:p>
             <a:fld id="{87DE6118-2437-4B30-8E3C-4D2BE6020583}" type="datetimeFigureOut">
               <a:rPr lang="en-US" smtClean="0"/>
-              <a:t>2/11/2019</a:t>
+              <a:t>2/12/2019</a:t>
             </a:fld>
             <a:endParaRPr lang="en-US" dirty="0"/>
           </a:p>
@@ -3678,7 +3678,7 @@
             <a:fld id="{87DE6118-2437-4B30-8E3C-4D2BE6020583}" type="datetimeFigureOut">
               <a:rPr lang="en-US" smtClean="0"/>
               <a:pPr/>
-              <a:t>2/11/2019</a:t>
+              <a:t>2/12/2019</a:t>
             </a:fld>
             <a:endParaRPr lang="en-US" dirty="0"/>
           </a:p>
@@ -3971,7 +3971,7 @@
           <a:p>
             <a:fld id="{87DE6118-2437-4B30-8E3C-4D2BE6020583}" type="datetimeFigureOut">
               <a:rPr lang="en-US" smtClean="0"/>
-              <a:t>2/11/2019</a:t>
+              <a:t>2/12/2019</a:t>
             </a:fld>
             <a:endParaRPr lang="en-US" dirty="0"/>
           </a:p>
@@ -4415,7 +4415,7 @@
           <a:p>
             <a:fld id="{87DE6118-2437-4B30-8E3C-4D2BE6020583}" type="datetimeFigureOut">
               <a:rPr lang="en-US" smtClean="0"/>
-              <a:t>2/11/2019</a:t>
+              <a:t>2/12/2019</a:t>
             </a:fld>
             <a:endParaRPr lang="en-US" dirty="0"/>
           </a:p>
@@ -4533,7 +4533,7 @@
           <a:p>
             <a:fld id="{87DE6118-2437-4B30-8E3C-4D2BE6020583}" type="datetimeFigureOut">
               <a:rPr lang="en-US" smtClean="0"/>
-              <a:t>2/11/2019</a:t>
+              <a:t>2/12/2019</a:t>
             </a:fld>
             <a:endParaRPr lang="en-US" dirty="0"/>
           </a:p>
@@ -4628,7 +4628,7 @@
           <a:p>
             <a:fld id="{87DE6118-2437-4B30-8E3C-4D2BE6020583}" type="datetimeFigureOut">
               <a:rPr lang="en-US" smtClean="0"/>
-              <a:t>2/11/2019</a:t>
+              <a:t>2/12/2019</a:t>
             </a:fld>
             <a:endParaRPr lang="en-US" dirty="0"/>
           </a:p>
@@ -4908,7 +4908,7 @@
             <a:fld id="{87DE6118-2437-4B30-8E3C-4D2BE6020583}" type="datetimeFigureOut">
               <a:rPr lang="en-US" smtClean="0"/>
               <a:pPr/>
-              <a:t>2/11/2019</a:t>
+              <a:t>2/12/2019</a:t>
             </a:fld>
             <a:endParaRPr lang="en-US" dirty="0"/>
           </a:p>
@@ -5185,7 +5185,7 @@
             <a:fld id="{87DE6118-2437-4B30-8E3C-4D2BE6020583}" type="datetimeFigureOut">
               <a:rPr lang="en-US" smtClean="0"/>
               <a:pPr/>
-              <a:t>2/11/2019</a:t>
+              <a:t>2/12/2019</a:t>
             </a:fld>
             <a:endParaRPr lang="en-US" dirty="0"/>
           </a:p>
@@ -5616,7 +5616,7 @@
             <a:fld id="{87DE6118-2437-4B30-8E3C-4D2BE6020583}" type="datetimeFigureOut">
               <a:rPr lang="en-US" smtClean="0"/>
               <a:pPr/>
-              <a:t>2/11/2019</a:t>
+              <a:t>2/12/2019</a:t>
             </a:fld>
             <a:endParaRPr lang="en-US" dirty="0"/>
           </a:p>
@@ -7497,6 +7497,488 @@
           <a:lstStyle/>
           <a:p>
             <a:r>
+              <a:rPr lang="en-US" dirty="0"/>
+              <a:t>What is a Unit Test Case?</a:t>
+            </a:r>
+          </a:p>
+        </p:txBody>
+      </p:sp>
+      <p:sp>
+        <p:nvSpPr>
+          <p:cNvPr id="3" name="Content Placeholder 2"/>
+          <p:cNvSpPr>
+            <a:spLocks noGrp="1"/>
+          </p:cNvSpPr>
+          <p:nvPr>
+            <p:ph idx="1"/>
+          </p:nvPr>
+        </p:nvSpPr>
+        <p:spPr>
+          <a:xfrm>
+            <a:off x="1371600" y="1645920"/>
+            <a:ext cx="9601200" cy="4221480"/>
+          </a:xfrm>
+        </p:spPr>
+        <p:txBody>
+          <a:bodyPr>
+            <a:normAutofit fontScale="92500" lnSpcReduction="20000"/>
+          </a:bodyPr>
+          <a:lstStyle/>
+          <a:p>
+            <a:r>
+              <a:rPr lang="en-US" dirty="0"/>
+              <a:t>A Unit Test Case is a part of code which ensures that another part of the code </a:t>
+            </a:r>
+            <a:r>
+              <a:rPr lang="en-US" dirty="0" smtClean="0"/>
+              <a:t>works </a:t>
+            </a:r>
+            <a:r>
+              <a:rPr lang="en-US" dirty="0"/>
+              <a:t>as expected. </a:t>
+            </a:r>
+            <a:endParaRPr lang="en-US" dirty="0" smtClean="0"/>
+          </a:p>
+          <a:p>
+            <a:r>
+              <a:rPr lang="en-US" dirty="0" smtClean="0"/>
+              <a:t>To </a:t>
+            </a:r>
+            <a:r>
+              <a:rPr lang="en-US" dirty="0"/>
+              <a:t>achieve the desired results quickly, test framework is required. </a:t>
+            </a:r>
+            <a:r>
+              <a:rPr lang="en-US" dirty="0" err="1"/>
+              <a:t>QUnit</a:t>
+            </a:r>
+            <a:r>
+              <a:rPr lang="en-US" dirty="0"/>
+              <a:t> is a perfect unit test framework for JavaScript programming language.</a:t>
+            </a:r>
+          </a:p>
+          <a:p>
+            <a:r>
+              <a:rPr lang="en-US" dirty="0"/>
+              <a:t>A formal written unit test case is characterized by a known input and by an expected output, which is worked out before the test is executed. The known input should test a precondition and the expected output should test a post-condition</a:t>
+            </a:r>
+            <a:r>
+              <a:rPr lang="en-US" dirty="0" smtClean="0"/>
+              <a:t>.</a:t>
+            </a:r>
+          </a:p>
+          <a:p>
+            <a:pPr marL="0" indent="0">
+              <a:buNone/>
+            </a:pPr>
+            <a:endParaRPr lang="en-US" sz="2600" b="1" dirty="0"/>
+          </a:p>
+          <a:p>
+            <a:pPr marL="0" indent="0">
+              <a:buNone/>
+            </a:pPr>
+            <a:r>
+              <a:rPr lang="en-US" sz="2600" b="1" dirty="0" smtClean="0"/>
+              <a:t>          </a:t>
+            </a:r>
+            <a:r>
+              <a:rPr lang="en-US" sz="2600" b="1" dirty="0" err="1" smtClean="0"/>
+              <a:t>assert.equal</a:t>
+            </a:r>
+            <a:r>
+              <a:rPr lang="en-US" sz="2600" b="1" dirty="0"/>
+              <a:t>( result, "4", "square(2) should be 4." );</a:t>
+            </a:r>
+          </a:p>
+          <a:p>
+            <a:endParaRPr lang="en-US" dirty="0"/>
+          </a:p>
+          <a:p>
+            <a:r>
+              <a:rPr lang="en-US" dirty="0"/>
+              <a:t>There must be at least two unit test cases for each requirement: one positive test and one negative test</a:t>
+            </a:r>
+          </a:p>
+        </p:txBody>
+      </p:sp>
+    </p:spTree>
+    <p:extLst>
+      <p:ext uri="{BB962C8B-B14F-4D97-AF65-F5344CB8AC3E}">
+        <p14:creationId xmlns:p14="http://schemas.microsoft.com/office/powerpoint/2010/main" val="3889099286"/>
+      </p:ext>
+    </p:extLst>
+  </p:cSld>
+  <p:clrMapOvr>
+    <a:masterClrMapping/>
+  </p:clrMapOvr>
+  <p:timing>
+    <p:tnLst>
+      <p:par>
+        <p:cTn id="1" dur="indefinite" restart="never" nodeType="tmRoot">
+          <p:childTnLst>
+            <p:seq concurrent="1" nextAc="seek">
+              <p:cTn id="2" dur="indefinite" nodeType="mainSeq">
+                <p:childTnLst>
+                  <p:par>
+                    <p:cTn id="3" fill="hold">
+                      <p:stCondLst>
+                        <p:cond delay="indefinite"/>
+                      </p:stCondLst>
+                      <p:childTnLst>
+                        <p:par>
+                          <p:cTn id="4" fill="hold">
+                            <p:stCondLst>
+                              <p:cond delay="0"/>
+                            </p:stCondLst>
+                            <p:childTnLst>
+                              <p:par>
+                                <p:cTn id="5" presetID="26" presetClass="entr" presetSubtype="0" fill="hold" grpId="0" nodeType="clickEffect">
+                                  <p:stCondLst>
+                                    <p:cond delay="0"/>
+                                  </p:stCondLst>
+                                  <p:iterate type="lt">
+                                    <p:tmPct val="0"/>
+                                  </p:iterate>
+                                  <p:childTnLst>
+                                    <p:set>
+                                      <p:cBhvr>
+                                        <p:cTn id="6" dur="1" fill="hold">
+                                          <p:stCondLst>
+                                            <p:cond delay="0"/>
+                                          </p:stCondLst>
+                                        </p:cTn>
+                                        <p:tgtEl>
+                                          <p:spTgt spid="3"/>
+                                        </p:tgtEl>
+                                        <p:attrNameLst>
+                                          <p:attrName>style.visibility</p:attrName>
+                                        </p:attrNameLst>
+                                      </p:cBhvr>
+                                      <p:to>
+                                        <p:strVal val="visible"/>
+                                      </p:to>
+                                    </p:set>
+                                    <p:animEffect transition="in" filter="wipe(down)">
+                                      <p:cBhvr>
+                                        <p:cTn id="7" dur="580">
+                                          <p:stCondLst>
+                                            <p:cond delay="0"/>
+                                          </p:stCondLst>
+                                        </p:cTn>
+                                        <p:tgtEl>
+                                          <p:spTgt spid="3"/>
+                                        </p:tgtEl>
+                                      </p:cBhvr>
+                                    </p:animEffect>
+                                    <p:anim calcmode="lin" valueType="num">
+                                      <p:cBhvr>
+                                        <p:cTn id="8" dur="1822" tmFilter="0,0; 0.14,0.36; 0.43,0.73; 0.71,0.91; 1.0,1.0">
+                                          <p:stCondLst>
+                                            <p:cond delay="0"/>
+                                          </p:stCondLst>
+                                        </p:cTn>
+                                        <p:tgtEl>
+                                          <p:spTgt spid="3"/>
+                                        </p:tgtEl>
+                                        <p:attrNameLst>
+                                          <p:attrName>ppt_x</p:attrName>
+                                        </p:attrNameLst>
+                                      </p:cBhvr>
+                                      <p:tavLst>
+                                        <p:tav tm="0">
+                                          <p:val>
+                                            <p:strVal val="#ppt_x-0.25"/>
+                                          </p:val>
+                                        </p:tav>
+                                        <p:tav tm="100000">
+                                          <p:val>
+                                            <p:strVal val="#ppt_x"/>
+                                          </p:val>
+                                        </p:tav>
+                                      </p:tavLst>
+                                    </p:anim>
+                                    <p:anim calcmode="lin" valueType="num">
+                                      <p:cBhvr>
+                                        <p:cTn id="9" dur="664" tmFilter="0.0,0.0; 0.25,0.07; 0.50,0.2; 0.75,0.467; 1.0,1.0">
+                                          <p:stCondLst>
+                                            <p:cond delay="0"/>
+                                          </p:stCondLst>
+                                        </p:cTn>
+                                        <p:tgtEl>
+                                          <p:spTgt spid="3"/>
+                                        </p:tgtEl>
+                                        <p:attrNameLst>
+                                          <p:attrName>ppt_y</p:attrName>
+                                        </p:attrNameLst>
+                                      </p:cBhvr>
+                                      <p:tavLst>
+                                        <p:tav tm="0" fmla="#ppt_y-sin(pi*$)/3">
+                                          <p:val>
+                                            <p:fltVal val="0.5"/>
+                                          </p:val>
+                                        </p:tav>
+                                        <p:tav tm="100000">
+                                          <p:val>
+                                            <p:fltVal val="1"/>
+                                          </p:val>
+                                        </p:tav>
+                                      </p:tavLst>
+                                    </p:anim>
+                                    <p:anim calcmode="lin" valueType="num">
+                                      <p:cBhvr>
+                                        <p:cTn id="10" dur="664" tmFilter="0, 0; 0.125,0.2665; 0.25,0.4; 0.375,0.465; 0.5,0.5;  0.625,0.535; 0.75,0.6; 0.875,0.7335; 1,1">
+                                          <p:stCondLst>
+                                            <p:cond delay="664"/>
+                                          </p:stCondLst>
+                                        </p:cTn>
+                                        <p:tgtEl>
+                                          <p:spTgt spid="3"/>
+                                        </p:tgtEl>
+                                        <p:attrNameLst>
+                                          <p:attrName>ppt_y</p:attrName>
+                                        </p:attrNameLst>
+                                      </p:cBhvr>
+                                      <p:tavLst>
+                                        <p:tav tm="0" fmla="#ppt_y-sin(pi*$)/9">
+                                          <p:val>
+                                            <p:fltVal val="0"/>
+                                          </p:val>
+                                        </p:tav>
+                                        <p:tav tm="100000">
+                                          <p:val>
+                                            <p:fltVal val="1"/>
+                                          </p:val>
+                                        </p:tav>
+                                      </p:tavLst>
+                                    </p:anim>
+                                    <p:anim calcmode="lin" valueType="num">
+                                      <p:cBhvr>
+                                        <p:cTn id="11" dur="332" tmFilter="0, 0; 0.125,0.2665; 0.25,0.4; 0.375,0.465; 0.5,0.5;  0.625,0.535; 0.75,0.6; 0.875,0.7335; 1,1">
+                                          <p:stCondLst>
+                                            <p:cond delay="1324"/>
+                                          </p:stCondLst>
+                                        </p:cTn>
+                                        <p:tgtEl>
+                                          <p:spTgt spid="3"/>
+                                        </p:tgtEl>
+                                        <p:attrNameLst>
+                                          <p:attrName>ppt_y</p:attrName>
+                                        </p:attrNameLst>
+                                      </p:cBhvr>
+                                      <p:tavLst>
+                                        <p:tav tm="0" fmla="#ppt_y-sin(pi*$)/27">
+                                          <p:val>
+                                            <p:fltVal val="0"/>
+                                          </p:val>
+                                        </p:tav>
+                                        <p:tav tm="100000">
+                                          <p:val>
+                                            <p:fltVal val="1"/>
+                                          </p:val>
+                                        </p:tav>
+                                      </p:tavLst>
+                                    </p:anim>
+                                    <p:anim calcmode="lin" valueType="num">
+                                      <p:cBhvr>
+                                        <p:cTn id="12" dur="164" tmFilter="0, 0; 0.125,0.2665; 0.25,0.4; 0.375,0.465; 0.5,0.5;  0.625,0.535; 0.75,0.6; 0.875,0.7335; 1,1">
+                                          <p:stCondLst>
+                                            <p:cond delay="1656"/>
+                                          </p:stCondLst>
+                                        </p:cTn>
+                                        <p:tgtEl>
+                                          <p:spTgt spid="3"/>
+                                        </p:tgtEl>
+                                        <p:attrNameLst>
+                                          <p:attrName>ppt_y</p:attrName>
+                                        </p:attrNameLst>
+                                      </p:cBhvr>
+                                      <p:tavLst>
+                                        <p:tav tm="0" fmla="#ppt_y-sin(pi*$)/81">
+                                          <p:val>
+                                            <p:fltVal val="0"/>
+                                          </p:val>
+                                        </p:tav>
+                                        <p:tav tm="100000">
+                                          <p:val>
+                                            <p:fltVal val="1"/>
+                                          </p:val>
+                                        </p:tav>
+                                      </p:tavLst>
+                                    </p:anim>
+                                    <p:animScale>
+                                      <p:cBhvr>
+                                        <p:cTn id="13" dur="26">
+                                          <p:stCondLst>
+                                            <p:cond delay="650"/>
+                                          </p:stCondLst>
+                                        </p:cTn>
+                                        <p:tgtEl>
+                                          <p:spTgt spid="3"/>
+                                        </p:tgtEl>
+                                      </p:cBhvr>
+                                      <p:to x="100000" y="60000"/>
+                                    </p:animScale>
+                                    <p:animScale>
+                                      <p:cBhvr>
+                                        <p:cTn id="14" dur="166" decel="50000">
+                                          <p:stCondLst>
+                                            <p:cond delay="676"/>
+                                          </p:stCondLst>
+                                        </p:cTn>
+                                        <p:tgtEl>
+                                          <p:spTgt spid="3"/>
+                                        </p:tgtEl>
+                                      </p:cBhvr>
+                                      <p:to x="100000" y="100000"/>
+                                    </p:animScale>
+                                    <p:animScale>
+                                      <p:cBhvr>
+                                        <p:cTn id="15" dur="26">
+                                          <p:stCondLst>
+                                            <p:cond delay="1312"/>
+                                          </p:stCondLst>
+                                        </p:cTn>
+                                        <p:tgtEl>
+                                          <p:spTgt spid="3"/>
+                                        </p:tgtEl>
+                                      </p:cBhvr>
+                                      <p:to x="100000" y="80000"/>
+                                    </p:animScale>
+                                    <p:animScale>
+                                      <p:cBhvr>
+                                        <p:cTn id="16" dur="166" decel="50000">
+                                          <p:stCondLst>
+                                            <p:cond delay="1338"/>
+                                          </p:stCondLst>
+                                        </p:cTn>
+                                        <p:tgtEl>
+                                          <p:spTgt spid="3"/>
+                                        </p:tgtEl>
+                                      </p:cBhvr>
+                                      <p:to x="100000" y="100000"/>
+                                    </p:animScale>
+                                    <p:animScale>
+                                      <p:cBhvr>
+                                        <p:cTn id="17" dur="26">
+                                          <p:stCondLst>
+                                            <p:cond delay="1642"/>
+                                          </p:stCondLst>
+                                        </p:cTn>
+                                        <p:tgtEl>
+                                          <p:spTgt spid="3"/>
+                                        </p:tgtEl>
+                                      </p:cBhvr>
+                                      <p:to x="100000" y="90000"/>
+                                    </p:animScale>
+                                    <p:animScale>
+                                      <p:cBhvr>
+                                        <p:cTn id="18" dur="166" decel="50000">
+                                          <p:stCondLst>
+                                            <p:cond delay="1668"/>
+                                          </p:stCondLst>
+                                        </p:cTn>
+                                        <p:tgtEl>
+                                          <p:spTgt spid="3"/>
+                                        </p:tgtEl>
+                                      </p:cBhvr>
+                                      <p:to x="100000" y="100000"/>
+                                    </p:animScale>
+                                    <p:animScale>
+                                      <p:cBhvr>
+                                        <p:cTn id="19" dur="26">
+                                          <p:stCondLst>
+                                            <p:cond delay="1808"/>
+                                          </p:stCondLst>
+                                        </p:cTn>
+                                        <p:tgtEl>
+                                          <p:spTgt spid="3"/>
+                                        </p:tgtEl>
+                                      </p:cBhvr>
+                                      <p:to x="100000" y="95000"/>
+                                    </p:animScale>
+                                    <p:animScale>
+                                      <p:cBhvr>
+                                        <p:cTn id="20" dur="166" decel="50000">
+                                          <p:stCondLst>
+                                            <p:cond delay="1834"/>
+                                          </p:stCondLst>
+                                        </p:cTn>
+                                        <p:tgtEl>
+                                          <p:spTgt spid="3"/>
+                                        </p:tgtEl>
+                                      </p:cBhvr>
+                                      <p:to x="100000" y="100000"/>
+                                    </p:animScale>
+                                  </p:childTnLst>
+                                </p:cTn>
+                              </p:par>
+                            </p:childTnLst>
+                          </p:cTn>
+                        </p:par>
+                      </p:childTnLst>
+                    </p:cTn>
+                  </p:par>
+                </p:childTnLst>
+              </p:cTn>
+              <p:prevCondLst>
+                <p:cond evt="onPrev" delay="0">
+                  <p:tgtEl>
+                    <p:sldTgt/>
+                  </p:tgtEl>
+                </p:cond>
+              </p:prevCondLst>
+              <p:nextCondLst>
+                <p:cond evt="onNext" delay="0">
+                  <p:tgtEl>
+                    <p:sldTgt/>
+                  </p:tgtEl>
+                </p:cond>
+              </p:nextCondLst>
+            </p:seq>
+          </p:childTnLst>
+        </p:cTn>
+      </p:par>
+    </p:tnLst>
+    <p:bldLst>
+      <p:bldP spid="3" grpId="0"/>
+    </p:bldLst>
+  </p:timing>
+</p:sld>
+</file>
+
+<file path=ppt/slides/slide13.xml><?xml version="1.0" encoding="utf-8"?>
+<p:sld xmlns:a="http://schemas.openxmlformats.org/drawingml/2006/main" xmlns:r="http://schemas.openxmlformats.org/officeDocument/2006/relationships" xmlns:p="http://schemas.openxmlformats.org/presentationml/2006/main">
+  <p:cSld>
+    <p:spTree>
+      <p:nvGrpSpPr>
+        <p:cNvPr id="1" name=""/>
+        <p:cNvGrpSpPr/>
+        <p:nvPr/>
+      </p:nvGrpSpPr>
+      <p:grpSpPr>
+        <a:xfrm>
+          <a:off x="0" y="0"/>
+          <a:ext cx="0" cy="0"/>
+          <a:chOff x="0" y="0"/>
+          <a:chExt cx="0" cy="0"/>
+        </a:xfrm>
+      </p:grpSpPr>
+      <p:sp>
+        <p:nvSpPr>
+          <p:cNvPr id="2" name="Title 1"/>
+          <p:cNvSpPr>
+            <a:spLocks noGrp="1"/>
+          </p:cNvSpPr>
+          <p:nvPr>
+            <p:ph type="title"/>
+          </p:nvPr>
+        </p:nvSpPr>
+        <p:spPr/>
+        <p:txBody>
+          <a:bodyPr/>
+          <a:lstStyle/>
+          <a:p>
+            <a:r>
               <a:rPr lang="en-US" u="sng" dirty="0" err="1" smtClean="0"/>
               <a:t>Qunit</a:t>
             </a:r>
@@ -7946,7 +8428,7 @@
 </p:sld>
 </file>
 
-<file path=ppt/slides/slide13.xml><?xml version="1.0" encoding="utf-8"?>
+<file path=ppt/slides/slide14.xml><?xml version="1.0" encoding="utf-8"?>
 <p:sld xmlns:a="http://schemas.openxmlformats.org/drawingml/2006/main" xmlns:r="http://schemas.openxmlformats.org/officeDocument/2006/relationships" xmlns:p="http://schemas.openxmlformats.org/presentationml/2006/main">
   <p:cSld>
     <p:spTree>
@@ -8845,458 +9327,6 @@
 </p:sld>
 </file>
 
-<file path=ppt/slides/slide14.xml><?xml version="1.0" encoding="utf-8"?>
-<p:sld xmlns:a="http://schemas.openxmlformats.org/drawingml/2006/main" xmlns:r="http://schemas.openxmlformats.org/officeDocument/2006/relationships" xmlns:p="http://schemas.openxmlformats.org/presentationml/2006/main">
-  <p:cSld>
-    <p:spTree>
-      <p:nvGrpSpPr>
-        <p:cNvPr id="1" name=""/>
-        <p:cNvGrpSpPr/>
-        <p:nvPr/>
-      </p:nvGrpSpPr>
-      <p:grpSpPr>
-        <a:xfrm>
-          <a:off x="0" y="0"/>
-          <a:ext cx="0" cy="0"/>
-          <a:chOff x="0" y="0"/>
-          <a:chExt cx="0" cy="0"/>
-        </a:xfrm>
-      </p:grpSpPr>
-      <p:sp>
-        <p:nvSpPr>
-          <p:cNvPr id="2" name="Title 1"/>
-          <p:cNvSpPr>
-            <a:spLocks noGrp="1"/>
-          </p:cNvSpPr>
-          <p:nvPr>
-            <p:ph type="title"/>
-          </p:nvPr>
-        </p:nvSpPr>
-        <p:spPr/>
-        <p:txBody>
-          <a:bodyPr/>
-          <a:lstStyle/>
-          <a:p>
-            <a:r>
-              <a:rPr lang="en-US" dirty="0"/>
-              <a:t>What is a Unit Test Case?</a:t>
-            </a:r>
-          </a:p>
-        </p:txBody>
-      </p:sp>
-      <p:sp>
-        <p:nvSpPr>
-          <p:cNvPr id="3" name="Content Placeholder 2"/>
-          <p:cNvSpPr>
-            <a:spLocks noGrp="1"/>
-          </p:cNvSpPr>
-          <p:nvPr>
-            <p:ph idx="1"/>
-          </p:nvPr>
-        </p:nvSpPr>
-        <p:spPr>
-          <a:xfrm>
-            <a:off x="1371600" y="1645920"/>
-            <a:ext cx="9601200" cy="4221480"/>
-          </a:xfrm>
-        </p:spPr>
-        <p:txBody>
-          <a:bodyPr>
-            <a:normAutofit/>
-          </a:bodyPr>
-          <a:lstStyle/>
-          <a:p>
-            <a:r>
-              <a:rPr lang="en-US" dirty="0"/>
-              <a:t>A Unit Test Case is a part of code which ensures that another part of the code </a:t>
-            </a:r>
-            <a:r>
-              <a:rPr lang="en-US" dirty="0" smtClean="0"/>
-              <a:t>works </a:t>
-            </a:r>
-            <a:r>
-              <a:rPr lang="en-US" dirty="0"/>
-              <a:t>as expected. </a:t>
-            </a:r>
-            <a:endParaRPr lang="en-US" dirty="0" smtClean="0"/>
-          </a:p>
-          <a:p>
-            <a:r>
-              <a:rPr lang="en-US" dirty="0" smtClean="0"/>
-              <a:t>To </a:t>
-            </a:r>
-            <a:r>
-              <a:rPr lang="en-US" dirty="0"/>
-              <a:t>achieve the desired results quickly, test framework is required. </a:t>
-            </a:r>
-            <a:r>
-              <a:rPr lang="en-US" dirty="0" err="1"/>
-              <a:t>QUnit</a:t>
-            </a:r>
-            <a:r>
-              <a:rPr lang="en-US" dirty="0"/>
-              <a:t> is a perfect unit test framework for JavaScript programming language.</a:t>
-            </a:r>
-          </a:p>
-          <a:p>
-            <a:r>
-              <a:rPr lang="en-US" dirty="0"/>
-              <a:t>A formal written unit test case is characterized by a known input and by an expected output, which is worked out before the test is executed. The known input should test a precondition and the expected output should test a post-condition.</a:t>
-            </a:r>
-          </a:p>
-          <a:p>
-            <a:r>
-              <a:rPr lang="en-US" dirty="0"/>
-              <a:t>There must be at least two unit test cases for each requirement: one positive test and one negative test</a:t>
-            </a:r>
-          </a:p>
-        </p:txBody>
-      </p:sp>
-    </p:spTree>
-    <p:extLst>
-      <p:ext uri="{BB962C8B-B14F-4D97-AF65-F5344CB8AC3E}">
-        <p14:creationId xmlns:p14="http://schemas.microsoft.com/office/powerpoint/2010/main" val="3889099286"/>
-      </p:ext>
-    </p:extLst>
-  </p:cSld>
-  <p:clrMapOvr>
-    <a:masterClrMapping/>
-  </p:clrMapOvr>
-  <p:timing>
-    <p:tnLst>
-      <p:par>
-        <p:cTn id="1" dur="indefinite" restart="never" nodeType="tmRoot">
-          <p:childTnLst>
-            <p:seq concurrent="1" nextAc="seek">
-              <p:cTn id="2" dur="indefinite" nodeType="mainSeq">
-                <p:childTnLst>
-                  <p:par>
-                    <p:cTn id="3" fill="hold">
-                      <p:stCondLst>
-                        <p:cond delay="indefinite"/>
-                      </p:stCondLst>
-                      <p:childTnLst>
-                        <p:par>
-                          <p:cTn id="4" fill="hold">
-                            <p:stCondLst>
-                              <p:cond delay="0"/>
-                            </p:stCondLst>
-                            <p:childTnLst>
-                              <p:par>
-                                <p:cTn id="5" presetID="26" presetClass="entr" presetSubtype="0" fill="hold" grpId="0" nodeType="clickEffect">
-                                  <p:stCondLst>
-                                    <p:cond delay="0"/>
-                                  </p:stCondLst>
-                                  <p:iterate type="lt">
-                                    <p:tmPct val="0"/>
-                                  </p:iterate>
-                                  <p:childTnLst>
-                                    <p:set>
-                                      <p:cBhvr>
-                                        <p:cTn id="6" dur="1" fill="hold">
-                                          <p:stCondLst>
-                                            <p:cond delay="0"/>
-                                          </p:stCondLst>
-                                        </p:cTn>
-                                        <p:tgtEl>
-                                          <p:spTgt spid="3"/>
-                                        </p:tgtEl>
-                                        <p:attrNameLst>
-                                          <p:attrName>style.visibility</p:attrName>
-                                        </p:attrNameLst>
-                                      </p:cBhvr>
-                                      <p:to>
-                                        <p:strVal val="visible"/>
-                                      </p:to>
-                                    </p:set>
-                                    <p:animEffect transition="in" filter="wipe(down)">
-                                      <p:cBhvr>
-                                        <p:cTn id="7" dur="580">
-                                          <p:stCondLst>
-                                            <p:cond delay="0"/>
-                                          </p:stCondLst>
-                                        </p:cTn>
-                                        <p:tgtEl>
-                                          <p:spTgt spid="3"/>
-                                        </p:tgtEl>
-                                      </p:cBhvr>
-                                    </p:animEffect>
-                                    <p:anim calcmode="lin" valueType="num">
-                                      <p:cBhvr>
-                                        <p:cTn id="8" dur="1822" tmFilter="0,0; 0.14,0.36; 0.43,0.73; 0.71,0.91; 1.0,1.0">
-                                          <p:stCondLst>
-                                            <p:cond delay="0"/>
-                                          </p:stCondLst>
-                                        </p:cTn>
-                                        <p:tgtEl>
-                                          <p:spTgt spid="3"/>
-                                        </p:tgtEl>
-                                        <p:attrNameLst>
-                                          <p:attrName>ppt_x</p:attrName>
-                                        </p:attrNameLst>
-                                      </p:cBhvr>
-                                      <p:tavLst>
-                                        <p:tav tm="0">
-                                          <p:val>
-                                            <p:strVal val="#ppt_x-0.25"/>
-                                          </p:val>
-                                        </p:tav>
-                                        <p:tav tm="100000">
-                                          <p:val>
-                                            <p:strVal val="#ppt_x"/>
-                                          </p:val>
-                                        </p:tav>
-                                      </p:tavLst>
-                                    </p:anim>
-                                    <p:anim calcmode="lin" valueType="num">
-                                      <p:cBhvr>
-                                        <p:cTn id="9" dur="664" tmFilter="0.0,0.0; 0.25,0.07; 0.50,0.2; 0.75,0.467; 1.0,1.0">
-                                          <p:stCondLst>
-                                            <p:cond delay="0"/>
-                                          </p:stCondLst>
-                                        </p:cTn>
-                                        <p:tgtEl>
-                                          <p:spTgt spid="3"/>
-                                        </p:tgtEl>
-                                        <p:attrNameLst>
-                                          <p:attrName>ppt_y</p:attrName>
-                                        </p:attrNameLst>
-                                      </p:cBhvr>
-                                      <p:tavLst>
-                                        <p:tav tm="0" fmla="#ppt_y-sin(pi*$)/3">
-                                          <p:val>
-                                            <p:fltVal val="0.5"/>
-                                          </p:val>
-                                        </p:tav>
-                                        <p:tav tm="100000">
-                                          <p:val>
-                                            <p:fltVal val="1"/>
-                                          </p:val>
-                                        </p:tav>
-                                      </p:tavLst>
-                                    </p:anim>
-                                    <p:anim calcmode="lin" valueType="num">
-                                      <p:cBhvr>
-                                        <p:cTn id="10" dur="664" tmFilter="0, 0; 0.125,0.2665; 0.25,0.4; 0.375,0.465; 0.5,0.5;  0.625,0.535; 0.75,0.6; 0.875,0.7335; 1,1">
-                                          <p:stCondLst>
-                                            <p:cond delay="664"/>
-                                          </p:stCondLst>
-                                        </p:cTn>
-                                        <p:tgtEl>
-                                          <p:spTgt spid="3"/>
-                                        </p:tgtEl>
-                                        <p:attrNameLst>
-                                          <p:attrName>ppt_y</p:attrName>
-                                        </p:attrNameLst>
-                                      </p:cBhvr>
-                                      <p:tavLst>
-                                        <p:tav tm="0" fmla="#ppt_y-sin(pi*$)/9">
-                                          <p:val>
-                                            <p:fltVal val="0"/>
-                                          </p:val>
-                                        </p:tav>
-                                        <p:tav tm="100000">
-                                          <p:val>
-                                            <p:fltVal val="1"/>
-                                          </p:val>
-                                        </p:tav>
-                                      </p:tavLst>
-                                    </p:anim>
-                                    <p:anim calcmode="lin" valueType="num">
-                                      <p:cBhvr>
-                                        <p:cTn id="11" dur="332" tmFilter="0, 0; 0.125,0.2665; 0.25,0.4; 0.375,0.465; 0.5,0.5;  0.625,0.535; 0.75,0.6; 0.875,0.7335; 1,1">
-                                          <p:stCondLst>
-                                            <p:cond delay="1324"/>
-                                          </p:stCondLst>
-                                        </p:cTn>
-                                        <p:tgtEl>
-                                          <p:spTgt spid="3"/>
-                                        </p:tgtEl>
-                                        <p:attrNameLst>
-                                          <p:attrName>ppt_y</p:attrName>
-                                        </p:attrNameLst>
-                                      </p:cBhvr>
-                                      <p:tavLst>
-                                        <p:tav tm="0" fmla="#ppt_y-sin(pi*$)/27">
-                                          <p:val>
-                                            <p:fltVal val="0"/>
-                                          </p:val>
-                                        </p:tav>
-                                        <p:tav tm="100000">
-                                          <p:val>
-                                            <p:fltVal val="1"/>
-                                          </p:val>
-                                        </p:tav>
-                                      </p:tavLst>
-                                    </p:anim>
-                                    <p:anim calcmode="lin" valueType="num">
-                                      <p:cBhvr>
-                                        <p:cTn id="12" dur="164" tmFilter="0, 0; 0.125,0.2665; 0.25,0.4; 0.375,0.465; 0.5,0.5;  0.625,0.535; 0.75,0.6; 0.875,0.7335; 1,1">
-                                          <p:stCondLst>
-                                            <p:cond delay="1656"/>
-                                          </p:stCondLst>
-                                        </p:cTn>
-                                        <p:tgtEl>
-                                          <p:spTgt spid="3"/>
-                                        </p:tgtEl>
-                                        <p:attrNameLst>
-                                          <p:attrName>ppt_y</p:attrName>
-                                        </p:attrNameLst>
-                                      </p:cBhvr>
-                                      <p:tavLst>
-                                        <p:tav tm="0" fmla="#ppt_y-sin(pi*$)/81">
-                                          <p:val>
-                                            <p:fltVal val="0"/>
-                                          </p:val>
-                                        </p:tav>
-                                        <p:tav tm="100000">
-                                          <p:val>
-                                            <p:fltVal val="1"/>
-                                          </p:val>
-                                        </p:tav>
-                                      </p:tavLst>
-                                    </p:anim>
-                                    <p:animScale>
-                                      <p:cBhvr>
-                                        <p:cTn id="13" dur="26">
-                                          <p:stCondLst>
-                                            <p:cond delay="650"/>
-                                          </p:stCondLst>
-                                        </p:cTn>
-                                        <p:tgtEl>
-                                          <p:spTgt spid="3"/>
-                                        </p:tgtEl>
-                                      </p:cBhvr>
-                                      <p:to x="100000" y="60000"/>
-                                    </p:animScale>
-                                    <p:animScale>
-                                      <p:cBhvr>
-                                        <p:cTn id="14" dur="166" decel="50000">
-                                          <p:stCondLst>
-                                            <p:cond delay="676"/>
-                                          </p:stCondLst>
-                                        </p:cTn>
-                                        <p:tgtEl>
-                                          <p:spTgt spid="3"/>
-                                        </p:tgtEl>
-                                      </p:cBhvr>
-                                      <p:to x="100000" y="100000"/>
-                                    </p:animScale>
-                                    <p:animScale>
-                                      <p:cBhvr>
-                                        <p:cTn id="15" dur="26">
-                                          <p:stCondLst>
-                                            <p:cond delay="1312"/>
-                                          </p:stCondLst>
-                                        </p:cTn>
-                                        <p:tgtEl>
-                                          <p:spTgt spid="3"/>
-                                        </p:tgtEl>
-                                      </p:cBhvr>
-                                      <p:to x="100000" y="80000"/>
-                                    </p:animScale>
-                                    <p:animScale>
-                                      <p:cBhvr>
-                                        <p:cTn id="16" dur="166" decel="50000">
-                                          <p:stCondLst>
-                                            <p:cond delay="1338"/>
-                                          </p:stCondLst>
-                                        </p:cTn>
-                                        <p:tgtEl>
-                                          <p:spTgt spid="3"/>
-                                        </p:tgtEl>
-                                      </p:cBhvr>
-                                      <p:to x="100000" y="100000"/>
-                                    </p:animScale>
-                                    <p:animScale>
-                                      <p:cBhvr>
-                                        <p:cTn id="17" dur="26">
-                                          <p:stCondLst>
-                                            <p:cond delay="1642"/>
-                                          </p:stCondLst>
-                                        </p:cTn>
-                                        <p:tgtEl>
-                                          <p:spTgt spid="3"/>
-                                        </p:tgtEl>
-                                      </p:cBhvr>
-                                      <p:to x="100000" y="90000"/>
-                                    </p:animScale>
-                                    <p:animScale>
-                                      <p:cBhvr>
-                                        <p:cTn id="18" dur="166" decel="50000">
-                                          <p:stCondLst>
-                                            <p:cond delay="1668"/>
-                                          </p:stCondLst>
-                                        </p:cTn>
-                                        <p:tgtEl>
-                                          <p:spTgt spid="3"/>
-                                        </p:tgtEl>
-                                      </p:cBhvr>
-                                      <p:to x="100000" y="100000"/>
-                                    </p:animScale>
-                                    <p:animScale>
-                                      <p:cBhvr>
-                                        <p:cTn id="19" dur="26">
-                                          <p:stCondLst>
-                                            <p:cond delay="1808"/>
-                                          </p:stCondLst>
-                                        </p:cTn>
-                                        <p:tgtEl>
-                                          <p:spTgt spid="3"/>
-                                        </p:tgtEl>
-                                      </p:cBhvr>
-                                      <p:to x="100000" y="95000"/>
-                                    </p:animScale>
-                                    <p:animScale>
-                                      <p:cBhvr>
-                                        <p:cTn id="20" dur="166" decel="50000">
-                                          <p:stCondLst>
-                                            <p:cond delay="1834"/>
-                                          </p:stCondLst>
-                                        </p:cTn>
-                                        <p:tgtEl>
-                                          <p:spTgt spid="3"/>
-                                        </p:tgtEl>
-                                      </p:cBhvr>
-                                      <p:to x="100000" y="100000"/>
-                                    </p:animScale>
-                                  </p:childTnLst>
-                                </p:cTn>
-                              </p:par>
-                            </p:childTnLst>
-                          </p:cTn>
-                        </p:par>
-                      </p:childTnLst>
-                    </p:cTn>
-                  </p:par>
-                </p:childTnLst>
-              </p:cTn>
-              <p:prevCondLst>
-                <p:cond evt="onPrev" delay="0">
-                  <p:tgtEl>
-                    <p:sldTgt/>
-                  </p:tgtEl>
-                </p:cond>
-              </p:prevCondLst>
-              <p:nextCondLst>
-                <p:cond evt="onNext" delay="0">
-                  <p:tgtEl>
-                    <p:sldTgt/>
-                  </p:tgtEl>
-                </p:cond>
-              </p:nextCondLst>
-            </p:seq>
-          </p:childTnLst>
-        </p:cTn>
-      </p:par>
-    </p:tnLst>
-    <p:bldLst>
-      <p:bldP spid="3" grpId="0"/>
-    </p:bldLst>
-  </p:timing>
-</p:sld>
-</file>
-
 <file path=ppt/slides/slide15.xml><?xml version="1.0" encoding="utf-8"?>
 <p:sld xmlns:a="http://schemas.openxmlformats.org/drawingml/2006/main" xmlns:r="http://schemas.openxmlformats.org/officeDocument/2006/relationships" xmlns:p="http://schemas.openxmlformats.org/presentationml/2006/main">
   <p:cSld>
@@ -11957,21 +11987,7 @@
                 </a:effectLst>
                 <a:latin typeface="Algerian" panose="04020705040A02060702" pitchFamily="82" charset="0"/>
               </a:rPr>
-              <a:t>PRASHANTH REDDY </a:t>
-            </a:r>
-            <a:r>
-              <a:rPr lang="en-US" b="1" dirty="0" smtClean="0">
-                <a:ln w="0"/>
-                <a:effectLst>
-                  <a:outerShdw blurRad="38100" dist="19050" dir="2700000" algn="tl" rotWithShape="0">
-                    <a:schemeClr val="dk1">
-                      <a:alpha val="40000"/>
-                    </a:schemeClr>
-                  </a:outerShdw>
-                </a:effectLst>
-                <a:latin typeface="Algerian" panose="04020705040A02060702" pitchFamily="82" charset="0"/>
-              </a:rPr>
-              <a:t>NACHANNAGARI</a:t>
+              <a:t>PRASHANTH REDDY NACHANNAGARI</a:t>
             </a:r>
             <a:endParaRPr lang="en-US" b="1" dirty="0">
               <a:ln w="0"/>
